--- a/pptx/第11章 典型相关分析.pptx
+++ b/pptx/第11章 典型相关分析.pptx
@@ -13952,8 +13952,8 @@
         </p:nvSpPr>
         <p:spPr>
           <a:xfrm>
-            <a:off x="2711450" y="2637155"/>
-            <a:ext cx="6824345" cy="808990"/>
+            <a:off x="2355215" y="2637155"/>
+            <a:ext cx="7901940" cy="768350"/>
           </a:xfrm>
           <a:prstGeom prst="rect">
             <a:avLst/>
@@ -14127,7 +14127,40 @@
                 <a:ea typeface="微软雅黑" panose="020B0503020204020204" pitchFamily="2" charset="-122"/>
                 <a:sym typeface="微软雅黑" panose="020B0503020204020204" pitchFamily="2" charset="-122"/>
               </a:rPr>
-              <a:t>建模 </a:t>
+              <a:t>建模（</a:t>
+            </a:r>
+            <a:r>
+              <a:rPr lang="en-US" altLang="zh-CN" sz="4400" b="1" dirty="0">
+                <a:solidFill>
+                  <a:srgbClr val="1115C3"/>
+                </a:solidFill>
+                <a:latin typeface="微软雅黑" panose="020B0503020204020204" pitchFamily="2" charset="-122"/>
+                <a:ea typeface="微软雅黑" panose="020B0503020204020204" pitchFamily="2" charset="-122"/>
+                <a:sym typeface="微软雅黑" panose="020B0503020204020204" pitchFamily="2" charset="-122"/>
+              </a:rPr>
+              <a:t>5</a:t>
+            </a:r>
+            <a:r>
+              <a:rPr lang="zh-CN" altLang="en-US" sz="4400" b="1" dirty="0">
+                <a:solidFill>
+                  <a:srgbClr val="1115C3"/>
+                </a:solidFill>
+                <a:latin typeface="微软雅黑" panose="020B0503020204020204" pitchFamily="2" charset="-122"/>
+                <a:ea typeface="微软雅黑" panose="020B0503020204020204" pitchFamily="2" charset="-122"/>
+                <a:sym typeface="微软雅黑" panose="020B0503020204020204" pitchFamily="2" charset="-122"/>
+              </a:rPr>
+              <a:t>）</a:t>
+            </a:r>
+            <a:r>
+              <a:rPr lang="zh-CN" altLang="en-US" sz="4400" b="1" dirty="0">
+                <a:solidFill>
+                  <a:srgbClr val="1115C3"/>
+                </a:solidFill>
+                <a:latin typeface="微软雅黑" panose="020B0503020204020204" pitchFamily="2" charset="-122"/>
+                <a:ea typeface="微软雅黑" panose="020B0503020204020204" pitchFamily="2" charset="-122"/>
+                <a:sym typeface="微软雅黑" panose="020B0503020204020204" pitchFamily="2" charset="-122"/>
+              </a:rPr>
+              <a:t> </a:t>
             </a:r>
             <a:endParaRPr lang="zh-CN" altLang="en-US" sz="4400" b="1" dirty="0">
               <a:solidFill>
@@ -14177,7 +14210,7 @@
         <p:spPr>
           <a:xfrm>
             <a:off x="3298303" y="4149050"/>
-            <a:ext cx="5533887" cy="584775"/>
+            <a:ext cx="5560060" cy="583565"/>
           </a:xfrm>
           <a:prstGeom prst="rect">
             <a:avLst/>
@@ -14194,6 +14227,9 @@
                 <a:solidFill>
                   <a:srgbClr val="3399FF"/>
                 </a:solidFill>
+                <a:latin typeface="微软雅黑" panose="020B0503020204020204" pitchFamily="2" charset="-122"/>
+                <a:ea typeface="微软雅黑" panose="020B0503020204020204" pitchFamily="2" charset="-122"/>
+                <a:cs typeface="微软雅黑" panose="020B0503020204020204" pitchFamily="2" charset="-122"/>
               </a:rPr>
               <a:t>第</a:t>
             </a:r>
@@ -14202,6 +14238,9 @@
                 <a:solidFill>
                   <a:srgbClr val="3399FF"/>
                 </a:solidFill>
+                <a:latin typeface="微软雅黑" panose="020B0503020204020204" pitchFamily="2" charset="-122"/>
+                <a:ea typeface="微软雅黑" panose="020B0503020204020204" pitchFamily="2" charset="-122"/>
+                <a:cs typeface="微软雅黑" panose="020B0503020204020204" pitchFamily="2" charset="-122"/>
               </a:rPr>
               <a:t>11</a:t>
             </a:r>
@@ -14210,6 +14249,9 @@
                 <a:solidFill>
                   <a:srgbClr val="3399FF"/>
                 </a:solidFill>
+                <a:latin typeface="微软雅黑" panose="020B0503020204020204" pitchFamily="2" charset="-122"/>
+                <a:ea typeface="微软雅黑" panose="020B0503020204020204" pitchFamily="2" charset="-122"/>
+                <a:cs typeface="微软雅黑" panose="020B0503020204020204" pitchFamily="2" charset="-122"/>
               </a:rPr>
               <a:t>章 典型相关分析及</a:t>
             </a:r>
@@ -14218,6 +14260,9 @@
                 <a:solidFill>
                   <a:srgbClr val="3399FF"/>
                 </a:solidFill>
+                <a:latin typeface="微软雅黑" panose="020B0503020204020204" pitchFamily="2" charset="-122"/>
+                <a:ea typeface="微软雅黑" panose="020B0503020204020204" pitchFamily="2" charset="-122"/>
+                <a:cs typeface="微软雅黑" panose="020B0503020204020204" pitchFamily="2" charset="-122"/>
               </a:rPr>
               <a:t>R</a:t>
             </a:r>
@@ -14226,6 +14271,9 @@
                 <a:solidFill>
                   <a:srgbClr val="3399FF"/>
                 </a:solidFill>
+                <a:latin typeface="微软雅黑" panose="020B0503020204020204" pitchFamily="2" charset="-122"/>
+                <a:ea typeface="微软雅黑" panose="020B0503020204020204" pitchFamily="2" charset="-122"/>
+                <a:cs typeface="微软雅黑" panose="020B0503020204020204" pitchFamily="2" charset="-122"/>
               </a:rPr>
               <a:t>使用</a:t>
             </a:r>
@@ -14233,6 +14281,9 @@
               <a:solidFill>
                 <a:srgbClr val="3399FF"/>
               </a:solidFill>
+              <a:latin typeface="微软雅黑" panose="020B0503020204020204" pitchFamily="2" charset="-122"/>
+              <a:ea typeface="微软雅黑" panose="020B0503020204020204" pitchFamily="2" charset="-122"/>
+              <a:cs typeface="微软雅黑" panose="020B0503020204020204" pitchFamily="2" charset="-122"/>
             </a:endParaRPr>
           </a:p>
         </p:txBody>
@@ -30553,8 +30604,8 @@
         </p:nvSpPr>
         <p:spPr>
           <a:xfrm flipH="1">
-            <a:off x="267805" y="260780"/>
-            <a:ext cx="3513430" cy="523220"/>
+            <a:off x="253200" y="1219630"/>
+            <a:ext cx="3513430" cy="521970"/>
           </a:xfrm>
           <a:prstGeom prst="rect">
             <a:avLst/>
@@ -30567,6 +30618,10 @@
         <p:txBody>
           <a:bodyPr wrap="square">
             <a:spAutoFit/>
+            <a:scene3d>
+              <a:camera prst="orthographicFront"/>
+              <a:lightRig rig="threePt" dir="t"/>
+            </a:scene3d>
           </a:bodyPr>
           <a:lstStyle/>
           <a:p>
@@ -30574,20 +30629,29 @@
             <a:r>
               <a:rPr lang="zh-CN" altLang="en-US" sz="2800">
                 <a:solidFill>
-                  <a:srgbClr val="FF0000"/>
-                </a:solidFill>
+                  <a:schemeClr val="accent1"/>
+                </a:solidFill>
+                <a:effectLst>
+                  <a:outerShdw blurRad="38100" dist="25400" dir="5400000" algn="ctr" rotWithShape="0">
+                    <a:srgbClr val="6E747A">
+                      <a:alpha val="43000"/>
+                    </a:srgbClr>
+                  </a:outerShdw>
+                </a:effectLst>
+                <a:latin typeface="微软雅黑" panose="020B0503020204020204" pitchFamily="2" charset="-122"/>
+                <a:ea typeface="微软雅黑" panose="020B0503020204020204" pitchFamily="2" charset="-122"/>
               </a:rPr>
               <a:t>一、简单相关分析</a:t>
             </a:r>
             <a:endParaRPr lang="zh-CN" altLang="en-US" sz="2800" dirty="0">
               <a:solidFill>
-                <a:srgbClr val="FF0000"/>
+                <a:schemeClr val="accent1"/>
               </a:solidFill>
               <a:effectLst>
-                <a:outerShdw blurRad="38100" dist="19050" dir="2700000" algn="tl" rotWithShape="0">
-                  <a:schemeClr val="dk1">
-                    <a:alpha val="40000"/>
-                  </a:schemeClr>
+                <a:outerShdw blurRad="38100" dist="25400" dir="5400000" algn="ctr" rotWithShape="0">
+                  <a:srgbClr val="6E747A">
+                    <a:alpha val="43000"/>
+                  </a:srgbClr>
                 </a:outerShdw>
               </a:effectLst>
               <a:latin typeface="微软雅黑" panose="020B0503020204020204" pitchFamily="2" charset="-122"/>
@@ -30606,7 +30670,7 @@
         <p:spPr>
           <a:xfrm>
             <a:off x="350415" y="4509075"/>
-            <a:ext cx="3416320" cy="523220"/>
+            <a:ext cx="3383280" cy="521970"/>
           </a:xfrm>
           <a:prstGeom prst="rect">
             <a:avLst/>
@@ -30615,21 +30679,43 @@
         <p:txBody>
           <a:bodyPr wrap="none">
             <a:spAutoFit/>
+            <a:scene3d>
+              <a:camera prst="orthographicFront"/>
+              <a:lightRig rig="threePt" dir="t"/>
+            </a:scene3d>
           </a:bodyPr>
           <a:lstStyle/>
           <a:p>
             <a:r>
               <a:rPr lang="zh-CN" altLang="en-US" sz="2800">
                 <a:solidFill>
-                  <a:srgbClr val="FF0000"/>
-                </a:solidFill>
+                  <a:schemeClr val="accent1"/>
+                </a:solidFill>
+                <a:effectLst>
+                  <a:outerShdw blurRad="38100" dist="25400" dir="5400000" algn="ctr" rotWithShape="0">
+                    <a:srgbClr val="6E747A">
+                      <a:alpha val="43000"/>
+                    </a:srgbClr>
+                  </a:outerShdw>
+                </a:effectLst>
+                <a:latin typeface="微软雅黑" panose="020B0503020204020204" pitchFamily="2" charset="-122"/>
+                <a:ea typeface="微软雅黑" panose="020B0503020204020204" pitchFamily="2" charset="-122"/>
               </a:rPr>
               <a:t>二、多变量相关分析</a:t>
             </a:r>
             <a:endParaRPr lang="zh-CN" altLang="en-US" sz="2800">
               <a:solidFill>
-                <a:srgbClr val="FF0000"/>
+                <a:schemeClr val="accent1"/>
               </a:solidFill>
+              <a:effectLst>
+                <a:outerShdw blurRad="38100" dist="25400" dir="5400000" algn="ctr" rotWithShape="0">
+                  <a:srgbClr val="6E747A">
+                    <a:alpha val="43000"/>
+                  </a:srgbClr>
+                </a:outerShdw>
+              </a:effectLst>
+              <a:latin typeface="微软雅黑" panose="020B0503020204020204" pitchFamily="2" charset="-122"/>
+              <a:ea typeface="微软雅黑" panose="020B0503020204020204" pitchFamily="2" charset="-122"/>
             </a:endParaRPr>
           </a:p>
         </p:txBody>
@@ -30650,7 +30736,7 @@
         </p:blipFill>
         <p:spPr>
           <a:xfrm>
-            <a:off x="4069665" y="116769"/>
+            <a:off x="4069665" y="461574"/>
             <a:ext cx="6959886" cy="3672255"/>
           </a:xfrm>
           <a:prstGeom prst="rect">
@@ -30674,7 +30760,7 @@
         </p:blipFill>
         <p:spPr>
           <a:xfrm>
-            <a:off x="4069665" y="3861030"/>
+            <a:off x="4069665" y="4134080"/>
             <a:ext cx="5572125" cy="2724150"/>
           </a:xfrm>
           <a:prstGeom prst="rect">
@@ -30682,6 +30768,114 @@
           </a:prstGeom>
         </p:spPr>
       </p:pic>
+      <p:sp>
+        <p:nvSpPr>
+          <p:cNvPr id="13" name="文本框 12"/>
+          <p:cNvSpPr txBox="1"/>
+          <p:nvPr/>
+        </p:nvSpPr>
+        <p:spPr>
+          <a:xfrm>
+            <a:off x="3117215" y="53975"/>
+            <a:ext cx="8992235" cy="460375"/>
+          </a:xfrm>
+          <a:prstGeom prst="rect">
+            <a:avLst/>
+          </a:prstGeom>
+          <a:noFill/>
+        </p:spPr>
+        <p:txBody>
+          <a:bodyPr wrap="square" rtlCol="0" anchor="t">
+            <a:spAutoFit/>
+          </a:bodyPr>
+          <a:p>
+            <a:r>
+              <a:rPr lang="en-US" altLang="zh-CN" sz="2400" b="1">
+                <a:solidFill>
+                  <a:srgbClr val="FF0000"/>
+                </a:solidFill>
+              </a:rPr>
+              <a:t>d11.1</a:t>
+            </a:r>
+            <a:r>
+              <a:rPr lang="zh-CN" altLang="en-US" sz="2400" b="1">
+                <a:solidFill>
+                  <a:srgbClr val="FF0000"/>
+                </a:solidFill>
+              </a:rPr>
+              <a:t>=read.xlsx('mvstats5.xlsx','</a:t>
+            </a:r>
+            <a:r>
+              <a:rPr lang="en-US" altLang="zh-CN" sz="2400" b="1">
+                <a:solidFill>
+                  <a:srgbClr val="FF0000"/>
+                </a:solidFill>
+              </a:rPr>
+              <a:t>d11</a:t>
+            </a:r>
+            <a:r>
+              <a:rPr lang="zh-CN" altLang="en-US" sz="2400" b="1">
+                <a:solidFill>
+                  <a:srgbClr val="FF0000"/>
+                </a:solidFill>
+              </a:rPr>
+              <a:t>.1');  # </a:t>
+            </a:r>
+            <a:r>
+              <a:rPr lang="en-US" altLang="zh-CN" sz="2400" b="1">
+                <a:solidFill>
+                  <a:srgbClr val="FF0000"/>
+                </a:solidFill>
+              </a:rPr>
+              <a:t>library(openxlsx)</a:t>
+            </a:r>
+            <a:endParaRPr lang="en-US" altLang="zh-CN" sz="2400" b="1">
+              <a:solidFill>
+                <a:srgbClr val="FF0000"/>
+              </a:solidFill>
+            </a:endParaRPr>
+          </a:p>
+        </p:txBody>
+      </p:sp>
+      <p:sp>
+        <p:nvSpPr>
+          <p:cNvPr id="2" name="流程图: 过程 1"/>
+          <p:cNvSpPr/>
+          <p:nvPr/>
+        </p:nvSpPr>
+        <p:spPr>
+          <a:xfrm>
+            <a:off x="4079875" y="617220"/>
+            <a:ext cx="6336030" cy="75565"/>
+          </a:xfrm>
+          <a:prstGeom prst="flowChartProcess">
+            <a:avLst/>
+          </a:prstGeom>
+        </p:spPr>
+        <p:style>
+          <a:lnRef idx="2">
+            <a:schemeClr val="accent1">
+              <a:shade val="50000"/>
+            </a:schemeClr>
+          </a:lnRef>
+          <a:fillRef idx="1">
+            <a:schemeClr val="accent1"/>
+          </a:fillRef>
+          <a:effectRef idx="0">
+            <a:schemeClr val="accent1"/>
+          </a:effectRef>
+          <a:fontRef idx="minor">
+            <a:schemeClr val="lt1"/>
+          </a:fontRef>
+        </p:style>
+        <p:txBody>
+          <a:bodyPr rtlCol="0" anchor="ctr"/>
+          <a:p>
+            <a:pPr algn="ctr"/>
+            <a:endParaRPr lang="zh-CN" altLang="en-US"/>
+          </a:p>
+        </p:txBody>
+      </p:sp>
     </p:spTree>
   </p:cSld>
   <p:clrMapOvr>
